--- a/ASMU432/ppts/Post-Punk of the early 1980s.pptx
+++ b/ASMU432/ppts/Post-Punk of the early 1980s.pptx
@@ -5,19 +5,20 @@
     <p:sldMasterId id="2147483648" r:id="rId1"/>
   </p:sldMasterIdLst>
   <p:notesMasterIdLst>
-    <p:notesMasterId r:id="rId12"/>
+    <p:notesMasterId r:id="rId13"/>
   </p:notesMasterIdLst>
   <p:sldIdLst>
     <p:sldId id="256" r:id="rId2"/>
     <p:sldId id="257" r:id="rId3"/>
     <p:sldId id="258" r:id="rId4"/>
     <p:sldId id="259" r:id="rId5"/>
-    <p:sldId id="260" r:id="rId6"/>
-    <p:sldId id="261" r:id="rId7"/>
-    <p:sldId id="262" r:id="rId8"/>
-    <p:sldId id="263" r:id="rId9"/>
-    <p:sldId id="264" r:id="rId10"/>
-    <p:sldId id="265" r:id="rId11"/>
+    <p:sldId id="266" r:id="rId6"/>
+    <p:sldId id="260" r:id="rId7"/>
+    <p:sldId id="261" r:id="rId8"/>
+    <p:sldId id="262" r:id="rId9"/>
+    <p:sldId id="263" r:id="rId10"/>
+    <p:sldId id="264" r:id="rId11"/>
+    <p:sldId id="265" r:id="rId12"/>
   </p:sldIdLst>
   <p:sldSz cx="12192000" cy="6858000"/>
   <p:notesSz cx="6858000" cy="9144000"/>
@@ -124,6 +125,150 @@
 </p:presentation>
 </file>
 
+<file path=ppt/revisionInfo.xml><?xml version="1.0" encoding="utf-8"?>
+<p1510:revInfo xmlns:a="http://schemas.openxmlformats.org/drawingml/2006/main" xmlns:r="http://schemas.openxmlformats.org/officeDocument/2006/relationships" xmlns:p1510="http://schemas.microsoft.com/office/powerpoint/2015/10/main">
+  <p1510:revLst>
+    <p1510:client id="{C4D50F53-BEC3-465B-82E3-7A6F6D1F329A}" v="15" dt="2019-11-25T23:23:22.185"/>
+  </p1510:revLst>
+</p1510:revInfo>
+</file>
+
+<file path=ppt/changesInfos/changesInfo1.xml><?xml version="1.0" encoding="utf-8"?>
+<pc:chgInfo xmlns:a="http://schemas.openxmlformats.org/drawingml/2006/main" xmlns:r="http://schemas.openxmlformats.org/officeDocument/2006/relationships" xmlns:ac="http://schemas.microsoft.com/office/drawing/2013/main/command" xmlns:pc="http://schemas.microsoft.com/office/powerpoint/2013/main/command">
+  <pc:docChgLst>
+    <pc:chgData name="Mark Baker" userId="7debe814d9197520" providerId="LiveId" clId="{C4D50F53-BEC3-465B-82E3-7A6F6D1F329A}"/>
+    <pc:docChg chg="custSel addSld modSld">
+      <pc:chgData name="Mark Baker" userId="7debe814d9197520" providerId="LiveId" clId="{C4D50F53-BEC3-465B-82E3-7A6F6D1F329A}" dt="2019-11-27T22:58:00.519" v="317" actId="20577"/>
+      <pc:docMkLst>
+        <pc:docMk/>
+      </pc:docMkLst>
+      <pc:sldChg chg="modSp">
+        <pc:chgData name="Mark Baker" userId="7debe814d9197520" providerId="LiveId" clId="{C4D50F53-BEC3-465B-82E3-7A6F6D1F329A}" dt="2019-11-25T23:23:22.185" v="221"/>
+        <pc:sldMkLst>
+          <pc:docMk/>
+          <pc:sldMk cId="2334810764" sldId="260"/>
+        </pc:sldMkLst>
+        <pc:spChg chg="mod">
+          <ac:chgData name="Mark Baker" userId="7debe814d9197520" providerId="LiveId" clId="{C4D50F53-BEC3-465B-82E3-7A6F6D1F329A}" dt="2019-11-25T23:23:22.185" v="221"/>
+          <ac:spMkLst>
+            <pc:docMk/>
+            <pc:sldMk cId="2334810764" sldId="260"/>
+            <ac:spMk id="3" creationId="{00000000-0000-0000-0000-000000000000}"/>
+          </ac:spMkLst>
+        </pc:spChg>
+      </pc:sldChg>
+      <pc:sldChg chg="modSp">
+        <pc:chgData name="Mark Baker" userId="7debe814d9197520" providerId="LiveId" clId="{C4D50F53-BEC3-465B-82E3-7A6F6D1F329A}" dt="2019-11-25T23:23:54.835" v="267" actId="20577"/>
+        <pc:sldMkLst>
+          <pc:docMk/>
+          <pc:sldMk cId="19927487" sldId="261"/>
+        </pc:sldMkLst>
+        <pc:spChg chg="mod">
+          <ac:chgData name="Mark Baker" userId="7debe814d9197520" providerId="LiveId" clId="{C4D50F53-BEC3-465B-82E3-7A6F6D1F329A}" dt="2019-11-25T23:23:54.835" v="267" actId="20577"/>
+          <ac:spMkLst>
+            <pc:docMk/>
+            <pc:sldMk cId="19927487" sldId="261"/>
+            <ac:spMk id="3" creationId="{00000000-0000-0000-0000-000000000000}"/>
+          </ac:spMkLst>
+        </pc:spChg>
+      </pc:sldChg>
+      <pc:sldChg chg="modSp">
+        <pc:chgData name="Mark Baker" userId="7debe814d9197520" providerId="LiveId" clId="{C4D50F53-BEC3-465B-82E3-7A6F6D1F329A}" dt="2019-11-25T23:26:35.312" v="268" actId="20577"/>
+        <pc:sldMkLst>
+          <pc:docMk/>
+          <pc:sldMk cId="3048876673" sldId="262"/>
+        </pc:sldMkLst>
+        <pc:spChg chg="mod">
+          <ac:chgData name="Mark Baker" userId="7debe814d9197520" providerId="LiveId" clId="{C4D50F53-BEC3-465B-82E3-7A6F6D1F329A}" dt="2019-11-25T22:29:21.610" v="1" actId="27636"/>
+          <ac:spMkLst>
+            <pc:docMk/>
+            <pc:sldMk cId="3048876673" sldId="262"/>
+            <ac:spMk id="2" creationId="{00000000-0000-0000-0000-000000000000}"/>
+          </ac:spMkLst>
+        </pc:spChg>
+        <pc:spChg chg="mod">
+          <ac:chgData name="Mark Baker" userId="7debe814d9197520" providerId="LiveId" clId="{C4D50F53-BEC3-465B-82E3-7A6F6D1F329A}" dt="2019-11-25T23:26:35.312" v="268" actId="20577"/>
+          <ac:spMkLst>
+            <pc:docMk/>
+            <pc:sldMk cId="3048876673" sldId="262"/>
+            <ac:spMk id="3" creationId="{00000000-0000-0000-0000-000000000000}"/>
+          </ac:spMkLst>
+        </pc:spChg>
+      </pc:sldChg>
+      <pc:sldChg chg="modSp">
+        <pc:chgData name="Mark Baker" userId="7debe814d9197520" providerId="LiveId" clId="{C4D50F53-BEC3-465B-82E3-7A6F6D1F329A}" dt="2019-11-25T22:29:21.624" v="2" actId="27636"/>
+        <pc:sldMkLst>
+          <pc:docMk/>
+          <pc:sldMk cId="1800354846" sldId="263"/>
+        </pc:sldMkLst>
+        <pc:spChg chg="mod">
+          <ac:chgData name="Mark Baker" userId="7debe814d9197520" providerId="LiveId" clId="{C4D50F53-BEC3-465B-82E3-7A6F6D1F329A}" dt="2019-11-25T22:29:21.624" v="2" actId="27636"/>
+          <ac:spMkLst>
+            <pc:docMk/>
+            <pc:sldMk cId="1800354846" sldId="263"/>
+            <ac:spMk id="2" creationId="{00000000-0000-0000-0000-000000000000}"/>
+          </ac:spMkLst>
+        </pc:spChg>
+      </pc:sldChg>
+      <pc:sldChg chg="modSp">
+        <pc:chgData name="Mark Baker" userId="7debe814d9197520" providerId="LiveId" clId="{C4D50F53-BEC3-465B-82E3-7A6F6D1F329A}" dt="2019-11-27T22:58:00.519" v="317" actId="20577"/>
+        <pc:sldMkLst>
+          <pc:docMk/>
+          <pc:sldMk cId="4194960941" sldId="264"/>
+        </pc:sldMkLst>
+        <pc:spChg chg="mod">
+          <ac:chgData name="Mark Baker" userId="7debe814d9197520" providerId="LiveId" clId="{C4D50F53-BEC3-465B-82E3-7A6F6D1F329A}" dt="2019-11-27T22:58:00.519" v="317" actId="20577"/>
+          <ac:spMkLst>
+            <pc:docMk/>
+            <pc:sldMk cId="4194960941" sldId="264"/>
+            <ac:spMk id="3" creationId="{00000000-0000-0000-0000-000000000000}"/>
+          </ac:spMkLst>
+        </pc:spChg>
+      </pc:sldChg>
+      <pc:sldChg chg="addSp delSp modSp add">
+        <pc:chgData name="Mark Baker" userId="7debe814d9197520" providerId="LiveId" clId="{C4D50F53-BEC3-465B-82E3-7A6F6D1F329A}" dt="2019-11-25T23:12:18.017" v="220" actId="27636"/>
+        <pc:sldMkLst>
+          <pc:docMk/>
+          <pc:sldMk cId="967560698" sldId="266"/>
+        </pc:sldMkLst>
+        <pc:spChg chg="del mod">
+          <ac:chgData name="Mark Baker" userId="7debe814d9197520" providerId="LiveId" clId="{C4D50F53-BEC3-465B-82E3-7A6F6D1F329A}" dt="2019-11-25T22:32:06.345" v="35" actId="478"/>
+          <ac:spMkLst>
+            <pc:docMk/>
+            <pc:sldMk cId="967560698" sldId="266"/>
+            <ac:spMk id="2" creationId="{1A7A0130-8389-4B97-B977-9A61D17E4076}"/>
+          </ac:spMkLst>
+        </pc:spChg>
+        <pc:spChg chg="mod">
+          <ac:chgData name="Mark Baker" userId="7debe814d9197520" providerId="LiveId" clId="{C4D50F53-BEC3-465B-82E3-7A6F6D1F329A}" dt="2019-11-25T23:12:18.017" v="220" actId="27636"/>
+          <ac:spMkLst>
+            <pc:docMk/>
+            <pc:sldMk cId="967560698" sldId="266"/>
+            <ac:spMk id="3" creationId="{DA5F502F-D025-40D8-BB56-44EF8AB51D19}"/>
+          </ac:spMkLst>
+        </pc:spChg>
+        <pc:spChg chg="add mod">
+          <ac:chgData name="Mark Baker" userId="7debe814d9197520" providerId="LiveId" clId="{C4D50F53-BEC3-465B-82E3-7A6F6D1F329A}" dt="2019-11-25T22:46:38.670" v="63" actId="1076"/>
+          <ac:spMkLst>
+            <pc:docMk/>
+            <pc:sldMk cId="967560698" sldId="266"/>
+            <ac:spMk id="4" creationId="{BE852CB1-D498-4DF7-8E27-5DDEE06F72D1}"/>
+          </ac:spMkLst>
+        </pc:spChg>
+        <pc:spChg chg="add del mod">
+          <ac:chgData name="Mark Baker" userId="7debe814d9197520" providerId="LiveId" clId="{C4D50F53-BEC3-465B-82E3-7A6F6D1F329A}" dt="2019-11-25T22:46:52.117" v="65" actId="478"/>
+          <ac:spMkLst>
+            <pc:docMk/>
+            <pc:sldMk cId="967560698" sldId="266"/>
+            <ac:spMk id="6" creationId="{95ACE795-7690-447E-9543-056A6C253168}"/>
+          </ac:spMkLst>
+        </pc:spChg>
+      </pc:sldChg>
+    </pc:docChg>
+  </pc:docChgLst>
+</pc:chgInfo>
+</file>
+
 <file path=ppt/notesMasters/notesMaster1.xml><?xml version="1.0" encoding="utf-8"?>
 <p:notesMaster xmlns:a="http://schemas.openxmlformats.org/drawingml/2006/main" xmlns:r="http://schemas.openxmlformats.org/officeDocument/2006/relationships" xmlns:p="http://schemas.openxmlformats.org/presentationml/2006/main">
   <p:cSld>
@@ -206,7 +351,7 @@
           <a:p>
             <a:fld id="{B0991E28-7772-4A19-A7BA-2076E62D44B9}" type="datetimeFigureOut">
               <a:rPr lang="en-US" smtClean="0"/>
-              <a:t>3/23/18</a:t>
+              <a:t>11/27/2019</a:t>
             </a:fld>
             <a:endParaRPr lang="en-US"/>
           </a:p>
@@ -826,7 +971,7 @@
           <a:p>
             <a:fld id="{01989256-A837-4CC9-8CE2-E5689CB71713}" type="datetimeFigureOut">
               <a:rPr lang="en-US" smtClean="0"/>
-              <a:t>3/23/18</a:t>
+              <a:t>11/27/2019</a:t>
             </a:fld>
             <a:endParaRPr lang="en-US"/>
           </a:p>
@@ -994,7 +1139,7 @@
           <a:p>
             <a:fld id="{01989256-A837-4CC9-8CE2-E5689CB71713}" type="datetimeFigureOut">
               <a:rPr lang="en-US" smtClean="0"/>
-              <a:t>3/23/18</a:t>
+              <a:t>11/27/2019</a:t>
             </a:fld>
             <a:endParaRPr lang="en-US"/>
           </a:p>
@@ -1172,7 +1317,7 @@
           <a:p>
             <a:fld id="{01989256-A837-4CC9-8CE2-E5689CB71713}" type="datetimeFigureOut">
               <a:rPr lang="en-US" smtClean="0"/>
-              <a:t>3/23/18</a:t>
+              <a:t>11/27/2019</a:t>
             </a:fld>
             <a:endParaRPr lang="en-US"/>
           </a:p>
@@ -1340,7 +1485,7 @@
           <a:p>
             <a:fld id="{01989256-A837-4CC9-8CE2-E5689CB71713}" type="datetimeFigureOut">
               <a:rPr lang="en-US" smtClean="0"/>
-              <a:t>3/23/18</a:t>
+              <a:t>11/27/2019</a:t>
             </a:fld>
             <a:endParaRPr lang="en-US"/>
           </a:p>
@@ -1585,7 +1730,7 @@
           <a:p>
             <a:fld id="{01989256-A837-4CC9-8CE2-E5689CB71713}" type="datetimeFigureOut">
               <a:rPr lang="en-US" smtClean="0"/>
-              <a:t>3/23/18</a:t>
+              <a:t>11/27/2019</a:t>
             </a:fld>
             <a:endParaRPr lang="en-US"/>
           </a:p>
@@ -1814,7 +1959,7 @@
           <a:p>
             <a:fld id="{01989256-A837-4CC9-8CE2-E5689CB71713}" type="datetimeFigureOut">
               <a:rPr lang="en-US" smtClean="0"/>
-              <a:t>3/23/18</a:t>
+              <a:t>11/27/2019</a:t>
             </a:fld>
             <a:endParaRPr lang="en-US"/>
           </a:p>
@@ -2178,7 +2323,7 @@
           <a:p>
             <a:fld id="{01989256-A837-4CC9-8CE2-E5689CB71713}" type="datetimeFigureOut">
               <a:rPr lang="en-US" smtClean="0"/>
-              <a:t>3/23/18</a:t>
+              <a:t>11/27/2019</a:t>
             </a:fld>
             <a:endParaRPr lang="en-US"/>
           </a:p>
@@ -2295,7 +2440,7 @@
           <a:p>
             <a:fld id="{01989256-A837-4CC9-8CE2-E5689CB71713}" type="datetimeFigureOut">
               <a:rPr lang="en-US" smtClean="0"/>
-              <a:t>3/23/18</a:t>
+              <a:t>11/27/2019</a:t>
             </a:fld>
             <a:endParaRPr lang="en-US"/>
           </a:p>
@@ -2390,7 +2535,7 @@
           <a:p>
             <a:fld id="{01989256-A837-4CC9-8CE2-E5689CB71713}" type="datetimeFigureOut">
               <a:rPr lang="en-US" smtClean="0"/>
-              <a:t>3/23/18</a:t>
+              <a:t>11/27/2019</a:t>
             </a:fld>
             <a:endParaRPr lang="en-US"/>
           </a:p>
@@ -2665,7 +2810,7 @@
           <a:p>
             <a:fld id="{01989256-A837-4CC9-8CE2-E5689CB71713}" type="datetimeFigureOut">
               <a:rPr lang="en-US" smtClean="0"/>
-              <a:t>3/23/18</a:t>
+              <a:t>11/27/2019</a:t>
             </a:fld>
             <a:endParaRPr lang="en-US"/>
           </a:p>
@@ -2917,7 +3062,7 @@
           <a:p>
             <a:fld id="{01989256-A837-4CC9-8CE2-E5689CB71713}" type="datetimeFigureOut">
               <a:rPr lang="en-US" smtClean="0"/>
-              <a:t>3/23/18</a:t>
+              <a:t>11/27/2019</a:t>
             </a:fld>
             <a:endParaRPr lang="en-US"/>
           </a:p>
@@ -3138,7 +3283,7 @@
           <a:p>
             <a:fld id="{01989256-A837-4CC9-8CE2-E5689CB71713}" type="datetimeFigureOut">
               <a:rPr lang="en-US" smtClean="0"/>
-              <a:t>3/23/18</a:t>
+              <a:t>11/27/2019</a:t>
             </a:fld>
             <a:endParaRPr lang="en-US"/>
           </a:p>
@@ -3661,6 +3806,217 @@
           <a:lstStyle/>
           <a:p>
             <a:r>
+              <a:rPr lang="en-US" sz="6600" b="1" dirty="0"/>
+              <a:t>California Post-Punk: Hardcore</a:t>
+            </a:r>
+          </a:p>
+        </p:txBody>
+      </p:sp>
+      <p:sp>
+        <p:nvSpPr>
+          <p:cNvPr id="3" name="Content Placeholder 2"/>
+          <p:cNvSpPr>
+            <a:spLocks noGrp="1"/>
+          </p:cNvSpPr>
+          <p:nvPr>
+            <p:ph idx="1"/>
+          </p:nvPr>
+        </p:nvSpPr>
+        <p:spPr/>
+        <p:txBody>
+          <a:bodyPr>
+            <a:normAutofit fontScale="92500" lnSpcReduction="20000"/>
+          </a:bodyPr>
+          <a:lstStyle/>
+          <a:p>
+            <a:r>
+              <a:rPr lang="en-US" b="1" dirty="0"/>
+              <a:t>X (formed 1977): </a:t>
+            </a:r>
+          </a:p>
+          <a:p>
+            <a:pPr lvl="1"/>
+            <a:r>
+              <a:rPr lang="en-US" dirty="0"/>
+              <a:t>vocalist </a:t>
+            </a:r>
+            <a:r>
+              <a:rPr lang="en-US" dirty="0" err="1"/>
+              <a:t>Exene</a:t>
+            </a:r>
+            <a:r>
+              <a:rPr lang="en-US" dirty="0"/>
+              <a:t> </a:t>
+            </a:r>
+            <a:r>
+              <a:rPr lang="en-US" dirty="0" err="1"/>
+              <a:t>Cervenka</a:t>
+            </a:r>
+            <a:endParaRPr lang="en-US" dirty="0"/>
+          </a:p>
+          <a:p>
+            <a:pPr lvl="1"/>
+            <a:r>
+              <a:rPr lang="en-US" dirty="0"/>
+              <a:t>vocalist/bassist John Doe</a:t>
+            </a:r>
+          </a:p>
+          <a:p>
+            <a:pPr lvl="1"/>
+            <a:r>
+              <a:rPr lang="en-US" dirty="0"/>
+              <a:t>guitarist Billy Zoom</a:t>
+            </a:r>
+          </a:p>
+          <a:p>
+            <a:pPr lvl="1"/>
+            <a:r>
+              <a:rPr lang="en-US" dirty="0"/>
+              <a:t>drummer D. J. </a:t>
+            </a:r>
+            <a:r>
+              <a:rPr lang="en-US" dirty="0" err="1"/>
+              <a:t>Bonebrake</a:t>
+            </a:r>
+            <a:endParaRPr lang="en-US" dirty="0"/>
+          </a:p>
+          <a:p>
+            <a:pPr lvl="1"/>
+            <a:r>
+              <a:rPr lang="en-US" dirty="0">
+                <a:hlinkClick r:id="rId2"/>
+              </a:rPr>
+              <a:t>https://www.youtube.com/watch?v=ojBc4c1hX_4</a:t>
+            </a:r>
+            <a:endParaRPr lang="en-US" dirty="0"/>
+          </a:p>
+          <a:p>
+            <a:pPr marL="457200" lvl="1" indent="0">
+              <a:buNone/>
+            </a:pPr>
+            <a:endParaRPr lang="en-US" dirty="0"/>
+          </a:p>
+          <a:p>
+            <a:r>
+              <a:rPr lang="en-US" b="1" dirty="0"/>
+              <a:t>Black Flag (formed 1976):</a:t>
+            </a:r>
+          </a:p>
+          <a:p>
+            <a:pPr lvl="1"/>
+            <a:r>
+              <a:rPr lang="en-US" dirty="0"/>
+              <a:t>Founder: Greg </a:t>
+            </a:r>
+            <a:r>
+              <a:rPr lang="en-US" dirty="0" err="1"/>
+              <a:t>Ginn</a:t>
+            </a:r>
+            <a:r>
+              <a:rPr lang="en-US" dirty="0"/>
+              <a:t> (guitar, song-writer, </a:t>
+            </a:r>
+            <a:r>
+              <a:rPr lang="en-US" dirty="0" err="1"/>
+              <a:t>etc</a:t>
+            </a:r>
+            <a:r>
+              <a:rPr lang="en-US" dirty="0"/>
+              <a:t>)</a:t>
+            </a:r>
+          </a:p>
+          <a:p>
+            <a:pPr lvl="1"/>
+            <a:r>
+              <a:rPr lang="en-US" dirty="0"/>
+              <a:t>Henry Rollins (1981-1986)</a:t>
+            </a:r>
+          </a:p>
+          <a:p>
+            <a:pPr lvl="1"/>
+            <a:r>
+              <a:rPr lang="en-US" dirty="0"/>
+              <a:t>DIY punk ethic: </a:t>
+            </a:r>
+            <a:r>
+              <a:rPr lang="en-US"/>
+              <a:t>SST Records</a:t>
+            </a:r>
+            <a:endParaRPr lang="en-US" dirty="0"/>
+          </a:p>
+          <a:p>
+            <a:pPr lvl="1"/>
+            <a:r>
+              <a:rPr lang="en-US" dirty="0"/>
+              <a:t>Hardcore punk</a:t>
+            </a:r>
+          </a:p>
+          <a:p>
+            <a:pPr lvl="1"/>
+            <a:r>
+              <a:rPr lang="en-US" dirty="0">
+                <a:hlinkClick r:id="rId3"/>
+              </a:rPr>
+              <a:t>https://www.youtube.com/watch?v=Fsbvo5GVK10</a:t>
+            </a:r>
+            <a:endParaRPr lang="en-US" dirty="0"/>
+          </a:p>
+          <a:p>
+            <a:endParaRPr lang="en-US" dirty="0"/>
+          </a:p>
+          <a:p>
+            <a:endParaRPr lang="en-US" dirty="0"/>
+          </a:p>
+        </p:txBody>
+      </p:sp>
+    </p:spTree>
+    <p:extLst>
+      <p:ext uri="{BB962C8B-B14F-4D97-AF65-F5344CB8AC3E}">
+        <p14:creationId xmlns:p14="http://schemas.microsoft.com/office/powerpoint/2010/main" val="4194960941"/>
+      </p:ext>
+    </p:extLst>
+  </p:cSld>
+  <p:clrMapOvr>
+    <a:masterClrMapping/>
+  </p:clrMapOvr>
+</p:sld>
+</file>
+
+<file path=ppt/slides/slide11.xml><?xml version="1.0" encoding="utf-8"?>
+<p:sld xmlns:a="http://schemas.openxmlformats.org/drawingml/2006/main" xmlns:r="http://schemas.openxmlformats.org/officeDocument/2006/relationships" xmlns:p="http://schemas.openxmlformats.org/presentationml/2006/main">
+  <p:cSld>
+    <p:spTree>
+      <p:nvGrpSpPr>
+        <p:cNvPr id="1" name=""/>
+        <p:cNvGrpSpPr/>
+        <p:nvPr/>
+      </p:nvGrpSpPr>
+      <p:grpSpPr>
+        <a:xfrm>
+          <a:off x="0" y="0"/>
+          <a:ext cx="0" cy="0"/>
+          <a:chOff x="0" y="0"/>
+          <a:chExt cx="0" cy="0"/>
+        </a:xfrm>
+      </p:grpSpPr>
+      <p:sp>
+        <p:nvSpPr>
+          <p:cNvPr id="2" name="Title 1"/>
+          <p:cNvSpPr>
+            <a:spLocks noGrp="1"/>
+          </p:cNvSpPr>
+          <p:nvPr>
+            <p:ph type="title"/>
+          </p:nvPr>
+        </p:nvSpPr>
+        <p:spPr/>
+        <p:txBody>
+          <a:bodyPr>
+            <a:normAutofit/>
+          </a:bodyPr>
+          <a:lstStyle/>
+          <a:p>
+            <a:r>
               <a:rPr lang="en-US" sz="6000" b="1" dirty="0"/>
               <a:t>The Dead Kennedys, 1978-1986</a:t>
             </a:r>
@@ -4280,6 +4636,188 @@
       </p:grpSpPr>
       <p:sp>
         <p:nvSpPr>
+          <p:cNvPr id="3" name="Content Placeholder 2">
+            <a:extLst>
+              <a:ext uri="{FF2B5EF4-FFF2-40B4-BE49-F238E27FC236}">
+                <a16:creationId xmlns:a16="http://schemas.microsoft.com/office/drawing/2014/main" id="{DA5F502F-D025-40D8-BB56-44EF8AB51D19}"/>
+              </a:ext>
+            </a:extLst>
+          </p:cNvPr>
+          <p:cNvSpPr>
+            <a:spLocks noGrp="1"/>
+          </p:cNvSpPr>
+          <p:nvPr>
+            <p:ph idx="1"/>
+          </p:nvPr>
+        </p:nvSpPr>
+        <p:spPr/>
+        <p:txBody>
+          <a:bodyPr>
+            <a:normAutofit lnSpcReduction="10000"/>
+          </a:bodyPr>
+          <a:lstStyle/>
+          <a:p>
+            <a:r>
+              <a:rPr lang="en-CA" dirty="0"/>
+              <a:t>Ari Up (Ariane Forster) - vocals</a:t>
+            </a:r>
+          </a:p>
+          <a:p>
+            <a:r>
+              <a:rPr lang="en-CA" dirty="0"/>
+              <a:t>Palmolive (a.k.a. Paloma Romero) - drums</a:t>
+            </a:r>
+          </a:p>
+          <a:p>
+            <a:r>
+              <a:rPr lang="en-CA" dirty="0"/>
+              <a:t>Viv Albertine - guitarist</a:t>
+            </a:r>
+          </a:p>
+          <a:p>
+            <a:r>
+              <a:rPr lang="en-CA" dirty="0"/>
+              <a:t>Tessa Pollitt - bass guitarist</a:t>
+            </a:r>
+          </a:p>
+          <a:p>
+            <a:r>
+              <a:rPr lang="en-CA" dirty="0"/>
+              <a:t>More punk than punk rock</a:t>
+            </a:r>
+          </a:p>
+          <a:p>
+            <a:r>
+              <a:rPr lang="en-CA" dirty="0"/>
+              <a:t>Reggae influenced as well:</a:t>
+            </a:r>
+          </a:p>
+          <a:p>
+            <a:r>
+              <a:rPr lang="en-CA" dirty="0"/>
+              <a:t>“Typical Girls”: </a:t>
+            </a:r>
+            <a:r>
+              <a:rPr lang="en-CA" dirty="0">
+                <a:hlinkClick r:id="rId2"/>
+              </a:rPr>
+              <a:t>https://www.youtube.com/watch?v=QCk8tEOcwqU</a:t>
+            </a:r>
+            <a:endParaRPr lang="en-CA" dirty="0"/>
+          </a:p>
+          <a:p>
+            <a:r>
+              <a:rPr lang="en-CA" dirty="0"/>
+              <a:t>“Heard it through the Grapevine”: </a:t>
+            </a:r>
+            <a:r>
+              <a:rPr lang="en-CA" dirty="0">
+                <a:hlinkClick r:id="rId3"/>
+              </a:rPr>
+              <a:t>https://www.youtube.com/watch?v=pSq3-lE377Q</a:t>
+            </a:r>
+            <a:endParaRPr lang="en-CA" dirty="0"/>
+          </a:p>
+          <a:p>
+            <a:endParaRPr lang="en-CA" dirty="0"/>
+          </a:p>
+        </p:txBody>
+      </p:sp>
+      <p:sp>
+        <p:nvSpPr>
+          <p:cNvPr id="4" name="Rectangle 3">
+            <a:extLst>
+              <a:ext uri="{FF2B5EF4-FFF2-40B4-BE49-F238E27FC236}">
+                <a16:creationId xmlns:a16="http://schemas.microsoft.com/office/drawing/2014/main" id="{BE852CB1-D498-4DF7-8E27-5DDEE06F72D1}"/>
+              </a:ext>
+            </a:extLst>
+          </p:cNvPr>
+          <p:cNvSpPr/>
+          <p:nvPr/>
+        </p:nvSpPr>
+        <p:spPr>
+          <a:xfrm>
+            <a:off x="1509648" y="169644"/>
+            <a:ext cx="9172704" cy="1569660"/>
+          </a:xfrm>
+          <a:prstGeom prst="rect">
+            <a:avLst/>
+          </a:prstGeom>
+          <a:noFill/>
+        </p:spPr>
+        <p:txBody>
+          <a:bodyPr wrap="none" lIns="91440" tIns="45720" rIns="91440" bIns="45720">
+            <a:spAutoFit/>
+          </a:bodyPr>
+          <a:lstStyle/>
+          <a:p>
+            <a:pPr algn="ctr"/>
+            <a:r>
+              <a:rPr lang="en-CA" sz="9600" b="1" cap="none" spc="0" dirty="0">
+                <a:ln w="12700">
+                  <a:solidFill>
+                    <a:schemeClr val="accent3">
+                      <a:lumMod val="50000"/>
+                    </a:schemeClr>
+                  </a:solidFill>
+                  <a:prstDash val="solid"/>
+                </a:ln>
+                <a:pattFill prst="narHorz">
+                  <a:fgClr>
+                    <a:schemeClr val="accent3"/>
+                  </a:fgClr>
+                  <a:bgClr>
+                    <a:schemeClr val="accent3">
+                      <a:lumMod val="40000"/>
+                      <a:lumOff val="60000"/>
+                    </a:schemeClr>
+                  </a:bgClr>
+                </a:pattFill>
+                <a:effectLst>
+                  <a:innerShdw blurRad="177800">
+                    <a:schemeClr val="accent3">
+                      <a:lumMod val="50000"/>
+                    </a:schemeClr>
+                  </a:innerShdw>
+                </a:effectLst>
+              </a:rPr>
+              <a:t>The Slits, 1976-82</a:t>
+            </a:r>
+          </a:p>
+        </p:txBody>
+      </p:sp>
+    </p:spTree>
+    <p:extLst>
+      <p:ext uri="{BB962C8B-B14F-4D97-AF65-F5344CB8AC3E}">
+        <p14:creationId xmlns:p14="http://schemas.microsoft.com/office/powerpoint/2010/main" val="967560698"/>
+      </p:ext>
+    </p:extLst>
+  </p:cSld>
+  <p:clrMapOvr>
+    <a:masterClrMapping/>
+  </p:clrMapOvr>
+</p:sld>
+</file>
+
+<file path=ppt/slides/slide6.xml><?xml version="1.0" encoding="utf-8"?>
+<p:sld xmlns:a="http://schemas.openxmlformats.org/drawingml/2006/main" xmlns:r="http://schemas.openxmlformats.org/officeDocument/2006/relationships" xmlns:p="http://schemas.openxmlformats.org/presentationml/2006/main">
+  <p:cSld>
+    <p:spTree>
+      <p:nvGrpSpPr>
+        <p:cNvPr id="1" name=""/>
+        <p:cNvGrpSpPr/>
+        <p:nvPr/>
+      </p:nvGrpSpPr>
+      <p:grpSpPr>
+        <a:xfrm>
+          <a:off x="0" y="0"/>
+          <a:ext cx="0" cy="0"/>
+          <a:chOff x="0" y="0"/>
+          <a:chExt cx="0" cy="0"/>
+        </a:xfrm>
+      </p:grpSpPr>
+      <p:sp>
+        <p:nvSpPr>
           <p:cNvPr id="2" name="Title 1"/>
           <p:cNvSpPr>
             <a:spLocks noGrp="1"/>
@@ -4353,14 +4891,11 @@
               <a:t>“Tommy Gun”: </a:t>
             </a:r>
             <a:r>
-              <a:rPr lang="en-US" dirty="0">
+              <a:rPr lang="en-CA" dirty="0">
                 <a:hlinkClick r:id="rId2"/>
               </a:rPr>
-              <a:t>https://www.youtube.com/watch?v=VF1qW9tq_Vs</a:t>
-            </a:r>
-            <a:endParaRPr lang="en-US" dirty="0"/>
-          </a:p>
-          <a:p>
+              <a:t>https://www.youtube.com/watch?v=bFHEuKkTa5k</a:t>
+            </a:r>
             <a:endParaRPr lang="en-US" dirty="0"/>
           </a:p>
         </p:txBody>
@@ -4408,7 +4943,7 @@
 </p:sld>
 </file>
 
-<file path=ppt/slides/slide6.xml><?xml version="1.0" encoding="utf-8"?>
+<file path=ppt/slides/slide7.xml><?xml version="1.0" encoding="utf-8"?>
 <p:sld xmlns:a="http://schemas.openxmlformats.org/drawingml/2006/main" xmlns:r="http://schemas.openxmlformats.org/officeDocument/2006/relationships" xmlns:p="http://schemas.openxmlformats.org/presentationml/2006/main">
   <p:cSld>
     <p:spTree>
@@ -4490,73 +5025,50 @@
           <a:p>
             <a:r>
               <a:rPr lang="en-US" dirty="0"/>
-              <a:t>Incorporated many genres: punk, </a:t>
+              <a:t>Incorporated many genres: punk, ska, pub rock, rockabilly, reggae, R&amp;B, New Orleans pop, and experimentation.</a:t>
+            </a:r>
+          </a:p>
+          <a:p>
+            <a:r>
+              <a:rPr lang="en-US" dirty="0"/>
+              <a:t>Most songs strikingly political.</a:t>
+            </a:r>
+          </a:p>
+          <a:p>
+            <a:r>
+              <a:rPr lang="en-US" dirty="0"/>
+              <a:t>“London Calling”</a:t>
+            </a:r>
+          </a:p>
+          <a:p>
+            <a:r>
+              <a:rPr lang="en-US" dirty="0"/>
+              <a:t>“</a:t>
             </a:r>
             <a:r>
               <a:rPr lang="en-US" dirty="0" err="1"/>
-              <a:t>ska</a:t>
-            </a:r>
-            <a:r>
-              <a:rPr lang="en-US" dirty="0"/>
-              <a:t>, pub rock, rockabilly, reggae</a:t>
-            </a:r>
-            <a:r>
-              <a:rPr lang="en-US"/>
-              <a:t>, R&amp;B</a:t>
-            </a:r>
-            <a:r>
-              <a:rPr lang="en-US" dirty="0"/>
-              <a:t>, New Orleans pop, and experimentation.</a:t>
-            </a:r>
-          </a:p>
-          <a:p>
-            <a:r>
-              <a:rPr lang="en-US" dirty="0"/>
-              <a:t>Most songs strikingly political.</a:t>
-            </a:r>
-          </a:p>
-          <a:p>
-            <a:r>
-              <a:rPr lang="en-US" dirty="0"/>
-              <a:t>“London Calling”: </a:t>
+              <a:t>Koka</a:t>
+            </a:r>
+            <a:r>
+              <a:rPr lang="en-US" dirty="0"/>
+              <a:t> Kola”: </a:t>
             </a:r>
             <a:r>
               <a:rPr lang="en-US" dirty="0">
                 <a:hlinkClick r:id="rId2"/>
               </a:rPr>
-              <a:t>https://www.youtube.com/watch?v=lotkzHsIuoA</a:t>
+              <a:t>https://www.youtube.com/watch?v=AXphJS1HQmc</a:t>
             </a:r>
             <a:endParaRPr lang="en-US" dirty="0"/>
           </a:p>
           <a:p>
             <a:r>
               <a:rPr lang="en-US" dirty="0"/>
-              <a:t>“</a:t>
-            </a:r>
-            <a:r>
-              <a:rPr lang="en-US" dirty="0" err="1"/>
-              <a:t>Koka</a:t>
-            </a:r>
-            <a:r>
-              <a:rPr lang="en-US" dirty="0"/>
-              <a:t> Kola”: </a:t>
+              <a:t>“Death or Glory”: </a:t>
             </a:r>
             <a:r>
               <a:rPr lang="en-US" dirty="0">
                 <a:hlinkClick r:id="rId3"/>
-              </a:rPr>
-              <a:t>https://www.youtube.com/watch?v=AXphJS1HQmc</a:t>
-            </a:r>
-            <a:endParaRPr lang="en-US" dirty="0"/>
-          </a:p>
-          <a:p>
-            <a:r>
-              <a:rPr lang="en-US" dirty="0"/>
-              <a:t>“Death or Glory”: </a:t>
-            </a:r>
-            <a:r>
-              <a:rPr lang="en-US" dirty="0">
-                <a:hlinkClick r:id="rId4"/>
               </a:rPr>
               <a:t>https://www.youtube.com/watch?v=2NRSQBSZdKI</a:t>
             </a:r>
@@ -4580,7 +5092,7 @@
 </p:sld>
 </file>
 
-<file path=ppt/slides/slide7.xml><?xml version="1.0" encoding="utf-8"?>
+<file path=ppt/slides/slide8.xml><?xml version="1.0" encoding="utf-8"?>
 <p:sld xmlns:a="http://schemas.openxmlformats.org/drawingml/2006/main" xmlns:r="http://schemas.openxmlformats.org/officeDocument/2006/relationships" xmlns:p="http://schemas.openxmlformats.org/presentationml/2006/main">
   <p:cSld>
     <p:bg>
@@ -4625,7 +5137,7 @@
         <p:spPr/>
         <p:txBody>
           <a:bodyPr>
-            <a:normAutofit fontScale="90000"/>
+            <a:normAutofit/>
           </a:bodyPr>
           <a:lstStyle/>
           <a:p>
@@ -4679,7 +5191,7 @@
           <a:p>
             <a:r>
               <a:rPr lang="en-US" dirty="0"/>
-              <a:t> Ian Curtis (vocals)</a:t>
+              <a:t>Ian Curtis (vocals)</a:t>
             </a:r>
           </a:p>
           <a:p>
@@ -4757,7 +5269,7 @@
 </p:sld>
 </file>
 
-<file path=ppt/slides/slide8.xml><?xml version="1.0" encoding="utf-8"?>
+<file path=ppt/slides/slide9.xml><?xml version="1.0" encoding="utf-8"?>
 <p:sld xmlns:a="http://schemas.openxmlformats.org/drawingml/2006/main" xmlns:r="http://schemas.openxmlformats.org/officeDocument/2006/relationships" xmlns:p="http://schemas.openxmlformats.org/presentationml/2006/main">
   <p:cSld>
     <p:bg>
@@ -4802,7 +5314,7 @@
         <p:spPr/>
         <p:txBody>
           <a:bodyPr>
-            <a:normAutofit fontScale="90000"/>
+            <a:normAutofit/>
           </a:bodyPr>
           <a:lstStyle/>
           <a:p>
@@ -4928,198 +5440,6 @@
     <p:extLst>
       <p:ext uri="{BB962C8B-B14F-4D97-AF65-F5344CB8AC3E}">
         <p14:creationId xmlns:p14="http://schemas.microsoft.com/office/powerpoint/2010/main" val="1800354846"/>
-      </p:ext>
-    </p:extLst>
-  </p:cSld>
-  <p:clrMapOvr>
-    <a:masterClrMapping/>
-  </p:clrMapOvr>
-</p:sld>
-</file>
-
-<file path=ppt/slides/slide9.xml><?xml version="1.0" encoding="utf-8"?>
-<p:sld xmlns:a="http://schemas.openxmlformats.org/drawingml/2006/main" xmlns:r="http://schemas.openxmlformats.org/officeDocument/2006/relationships" xmlns:p="http://schemas.openxmlformats.org/presentationml/2006/main">
-  <p:cSld>
-    <p:spTree>
-      <p:nvGrpSpPr>
-        <p:cNvPr id="1" name=""/>
-        <p:cNvGrpSpPr/>
-        <p:nvPr/>
-      </p:nvGrpSpPr>
-      <p:grpSpPr>
-        <a:xfrm>
-          <a:off x="0" y="0"/>
-          <a:ext cx="0" cy="0"/>
-          <a:chOff x="0" y="0"/>
-          <a:chExt cx="0" cy="0"/>
-        </a:xfrm>
-      </p:grpSpPr>
-      <p:sp>
-        <p:nvSpPr>
-          <p:cNvPr id="2" name="Title 1"/>
-          <p:cNvSpPr>
-            <a:spLocks noGrp="1"/>
-          </p:cNvSpPr>
-          <p:nvPr>
-            <p:ph type="title"/>
-          </p:nvPr>
-        </p:nvSpPr>
-        <p:spPr/>
-        <p:txBody>
-          <a:bodyPr>
-            <a:normAutofit/>
-          </a:bodyPr>
-          <a:lstStyle/>
-          <a:p>
-            <a:r>
-              <a:rPr lang="en-US" sz="6600" b="1" dirty="0"/>
-              <a:t>California Post-Punk: Hardcore</a:t>
-            </a:r>
-          </a:p>
-        </p:txBody>
-      </p:sp>
-      <p:sp>
-        <p:nvSpPr>
-          <p:cNvPr id="3" name="Content Placeholder 2"/>
-          <p:cNvSpPr>
-            <a:spLocks noGrp="1"/>
-          </p:cNvSpPr>
-          <p:nvPr>
-            <p:ph idx="1"/>
-          </p:nvPr>
-        </p:nvSpPr>
-        <p:spPr/>
-        <p:txBody>
-          <a:bodyPr>
-            <a:normAutofit lnSpcReduction="10000"/>
-          </a:bodyPr>
-          <a:lstStyle/>
-          <a:p>
-            <a:r>
-              <a:rPr lang="en-US" b="1" dirty="0"/>
-              <a:t>X (formed 1977): </a:t>
-            </a:r>
-          </a:p>
-          <a:p>
-            <a:pPr lvl="1"/>
-            <a:r>
-              <a:rPr lang="en-US" dirty="0"/>
-              <a:t>vocalist </a:t>
-            </a:r>
-            <a:r>
-              <a:rPr lang="en-US" dirty="0" err="1"/>
-              <a:t>Exene</a:t>
-            </a:r>
-            <a:r>
-              <a:rPr lang="en-US" dirty="0"/>
-              <a:t> </a:t>
-            </a:r>
-            <a:r>
-              <a:rPr lang="en-US" dirty="0" err="1"/>
-              <a:t>Cervenka</a:t>
-            </a:r>
-            <a:endParaRPr lang="en-US" dirty="0"/>
-          </a:p>
-          <a:p>
-            <a:pPr lvl="1"/>
-            <a:r>
-              <a:rPr lang="en-US" dirty="0"/>
-              <a:t>vocalist/bassist John Doe</a:t>
-            </a:r>
-          </a:p>
-          <a:p>
-            <a:pPr lvl="1"/>
-            <a:r>
-              <a:rPr lang="en-US" dirty="0"/>
-              <a:t>guitarist Billy Zoom</a:t>
-            </a:r>
-          </a:p>
-          <a:p>
-            <a:pPr lvl="1"/>
-            <a:r>
-              <a:rPr lang="en-US" dirty="0"/>
-              <a:t>drummer D. J. </a:t>
-            </a:r>
-            <a:r>
-              <a:rPr lang="en-US" dirty="0" err="1"/>
-              <a:t>Bonebrake</a:t>
-            </a:r>
-            <a:endParaRPr lang="en-US" dirty="0"/>
-          </a:p>
-          <a:p>
-            <a:pPr lvl="1"/>
-            <a:r>
-              <a:rPr lang="en-US" dirty="0">
-                <a:hlinkClick r:id="rId2"/>
-              </a:rPr>
-              <a:t>https://www.youtube.com/watch?v=ojBc4c1hX_4</a:t>
-            </a:r>
-            <a:endParaRPr lang="en-US" dirty="0"/>
-          </a:p>
-          <a:p>
-            <a:pPr marL="457200" lvl="1" indent="0">
-              <a:buNone/>
-            </a:pPr>
-            <a:endParaRPr lang="en-US" dirty="0"/>
-          </a:p>
-          <a:p>
-            <a:r>
-              <a:rPr lang="en-US" b="1" dirty="0"/>
-              <a:t>Black Flag (formed 1976):</a:t>
-            </a:r>
-          </a:p>
-          <a:p>
-            <a:pPr lvl="1"/>
-            <a:r>
-              <a:rPr lang="en-US" dirty="0"/>
-              <a:t>Founder: Greg </a:t>
-            </a:r>
-            <a:r>
-              <a:rPr lang="en-US" dirty="0" err="1"/>
-              <a:t>Ginn</a:t>
-            </a:r>
-            <a:r>
-              <a:rPr lang="en-US" dirty="0"/>
-              <a:t> (guitar, song-writer, </a:t>
-            </a:r>
-            <a:r>
-              <a:rPr lang="en-US" dirty="0" err="1"/>
-              <a:t>etc</a:t>
-            </a:r>
-            <a:r>
-              <a:rPr lang="en-US" dirty="0"/>
-              <a:t>)</a:t>
-            </a:r>
-          </a:p>
-          <a:p>
-            <a:pPr lvl="1"/>
-            <a:r>
-              <a:rPr lang="en-US" dirty="0"/>
-              <a:t>Henry Rollins (1981-1986)</a:t>
-            </a:r>
-          </a:p>
-          <a:p>
-            <a:pPr lvl="1"/>
-            <a:r>
-              <a:rPr lang="en-US" dirty="0">
-                <a:hlinkClick r:id="rId3"/>
-              </a:rPr>
-              <a:t>https://www.youtube.com/watch?v=Fsbvo5GVK10</a:t>
-            </a:r>
-            <a:endParaRPr lang="en-US" dirty="0"/>
-          </a:p>
-          <a:p>
-            <a:endParaRPr lang="en-US" dirty="0"/>
-          </a:p>
-          <a:p>
-            <a:endParaRPr lang="en-US" dirty="0"/>
-          </a:p>
-        </p:txBody>
-      </p:sp>
-    </p:spTree>
-    <p:extLst>
-      <p:ext uri="{BB962C8B-B14F-4D97-AF65-F5344CB8AC3E}">
-        <p14:creationId xmlns:p14="http://schemas.microsoft.com/office/powerpoint/2010/main" val="4194960941"/>
       </p:ext>
     </p:extLst>
   </p:cSld>
